--- a/Project_Naan_Mudalvan.pptx
+++ b/Project_Naan_Mudalvan.pptx
@@ -858,7 +858,7 @@
           <a:p>
             <a:fld id="{1D8BD707-D9CF-40AE-B4C6-C98DA3205C09}" type="datetimeFigureOut">
               <a:rPr lang="en-US"/>
-              <a:t>4/22/2024</a:t>
+              <a:t>4/30/2024</a:t>
             </a:fld>
             <a:endParaRPr lang="en-US"/>
           </a:p>
@@ -1044,7 +1044,7 @@
           <a:p>
             <a:fld id="{1D8BD707-D9CF-40AE-B4C6-C98DA3205C09}" type="datetimeFigureOut">
               <a:rPr lang="en-US"/>
-              <a:t>4/22/2024</a:t>
+              <a:t>4/30/2024</a:t>
             </a:fld>
             <a:endParaRPr lang="en-US"/>
           </a:p>
@@ -1267,7 +1267,7 @@
           <a:p>
             <a:fld id="{1D8BD707-D9CF-40AE-B4C6-C98DA3205C09}" type="datetimeFigureOut">
               <a:rPr lang="en-US"/>
-              <a:t>4/22/2024</a:t>
+              <a:t>4/30/2024</a:t>
             </a:fld>
             <a:endParaRPr lang="en-US"/>
           </a:p>
@@ -1424,7 +1424,7 @@
           <a:p>
             <a:fld id="{1D8BD707-D9CF-40AE-B4C6-C98DA3205C09}" type="datetimeFigureOut">
               <a:rPr lang="en-US"/>
-              <a:t>4/22/2024</a:t>
+              <a:t>4/30/2024</a:t>
             </a:fld>
             <a:endParaRPr lang="en-US"/>
           </a:p>
@@ -2251,7 +2251,7 @@
           <a:p>
             <a:fld id="{1D8BD707-D9CF-40AE-B4C6-C98DA3205C09}" type="datetimeFigureOut">
               <a:rPr lang="en-US"/>
-              <a:t>4/22/2024</a:t>
+              <a:t>4/30/2024</a:t>
             </a:fld>
             <a:endParaRPr lang="en-US"/>
           </a:p>
@@ -2942,7 +2942,7 @@
           <a:p>
             <a:fld id="{1D8BD707-D9CF-40AE-B4C6-C98DA3205C09}" type="datetimeFigureOut">
               <a:rPr lang="en-US"/>
-              <a:t>4/22/2024</a:t>
+              <a:t>4/30/2024</a:t>
             </a:fld>
             <a:endParaRPr lang="en-US"/>
           </a:p>
@@ -3359,7 +3359,7 @@
                 <a:latin typeface="Times New Roman" panose="02020603050405020304" pitchFamily="18" charset="0"/>
                 <a:cs typeface="Times New Roman" panose="02020603050405020304" pitchFamily="18" charset="0"/>
               </a:rPr>
-              <a:t>Nisar Ahamed M</a:t>
+              <a:t>Revanth R</a:t>
             </a:r>
             <a:endParaRPr sz="2800" dirty="0">
               <a:latin typeface="Times New Roman" panose="02020603050405020304" pitchFamily="18" charset="0"/>
@@ -3415,7 +3415,7 @@
                 <a:latin typeface="Times New Roman" panose="02020603050405020304" pitchFamily="18" charset="0"/>
                 <a:cs typeface="Times New Roman" panose="02020603050405020304" pitchFamily="18" charset="0"/>
               </a:rPr>
-              <a:t>au721221104042</a:t>
+              <a:t>au721221104046</a:t>
             </a:r>
             <a:endParaRPr sz="2800" dirty="0">
               <a:latin typeface="Times New Roman" panose="02020603050405020304" pitchFamily="18" charset="0"/>
